--- a/src/examples/pageviews/pageviews.pptx
+++ b/src/examples/pageviews/pageviews.pptx
@@ -5,7 +5,7 @@
     <p:sldMasterId id="2147483672" r:id="rId1"/>
   </p:sldMasterIdLst>
   <p:sldIdLst>
-    <p:sldId id="257" r:id="Rb184abaa5def426b"/>
+    <p:sldId id="257" r:id="R57816be7713f4307"/>
   </p:sldIdLst>
   <p:sldSz cx="12192000" cy="6858000"/>
   <p:notesSz cx="6858000" cy="9144000"/>
@@ -6085,7 +6085,7 @@
 </p:sldMaster>
 </file>
 
-<file path=ppt/slides/charts/chart1.xml><?xml version="1.0" encoding="utf-8"?>
+<file path=ppt/slides/charts/chart2.xml><?xml version="1.0" encoding="utf-8"?>
 <c:chartSpace xmlns:c="http://schemas.openxmlformats.org/drawingml/2006/chart">
   <c:date1904 val="0"/>
   <c:chart>
@@ -6403,7 +6403,7 @@
       </c:valAx>
     </c:plotArea>
   </c:chart>
-  <c:externalData xmlns:r="http://schemas.openxmlformats.org/officeDocument/2006/relationships" r:id="R9172657e82d048a3"/>
+  <c:externalData xmlns:r="http://schemas.openxmlformats.org/officeDocument/2006/relationships" r:id="Rc1aab20478ac4816"/>
 </c:chartSpace>
 </file>
 
@@ -6535,7 +6535,7 @@
         </p:xfrm>
         <a:graphic xmlns:a="http://schemas.openxmlformats.org/drawingml/2006/main">
           <a:graphicData uri="http://schemas.openxmlformats.org/drawingml/2006/chart">
-            <c:chart xmlns:r="http://schemas.openxmlformats.org/officeDocument/2006/relationships" xmlns:c="http://schemas.openxmlformats.org/drawingml/2006/chart" r:id="R211527a5ed95496e"/>
+            <c:chart xmlns:r="http://schemas.openxmlformats.org/officeDocument/2006/relationships" xmlns:c="http://schemas.openxmlformats.org/drawingml/2006/chart" r:id="R4700136e8cfa4e3b"/>
           </a:graphicData>
         </a:graphic>
       </p:graphicFrame>
@@ -6545,15 +6545,14 @@
           <p:cNvSpPr>
             <a:spLocks xmlns:a="http://schemas.openxmlformats.org/drawingml/2006/main" noGrp="1"/>
           </p:cNvSpPr>
-          <p:nvPr>
-            <p:ph/>
-          </p:nvPr>
+          <p:nvPr/>
         </p:nvSpPr>
         <p:spPr>
           <a:xfrm xmlns:a="http://schemas.openxmlformats.org/drawingml/2006/main">
             <a:off x="677334" y="5431762"/>
             <a:ext cx="8596668" cy="609600"/>
           </a:xfrm>
+          <a:prstGeom xmlns:a="http://schemas.openxmlformats.org/drawingml/2006/main" prst="rect"/>
         </p:spPr>
         <p:txBody>
           <a:bodyPr xmlns:a="http://schemas.openxmlformats.org/drawingml/2006/main"/>

--- a/src/examples/pageviews/pageviews.pptx
+++ b/src/examples/pageviews/pageviews.pptx
@@ -5,7 +5,7 @@
     <p:sldMasterId id="2147483672" r:id="rId1"/>
   </p:sldMasterIdLst>
   <p:sldIdLst>
-    <p:sldId id="257" r:id="R57816be7713f4307"/>
+    <p:sldId id="257" r:id="Rc03371718f1d42ea"/>
   </p:sldIdLst>
   <p:sldSz cx="12192000" cy="6858000"/>
   <p:notesSz cx="6858000" cy="9144000"/>
@@ -6403,7 +6403,7 @@
       </c:valAx>
     </c:plotArea>
   </c:chart>
-  <c:externalData xmlns:r="http://schemas.openxmlformats.org/officeDocument/2006/relationships" r:id="Rc1aab20478ac4816"/>
+  <c:externalData xmlns:r="http://schemas.openxmlformats.org/officeDocument/2006/relationships" r:id="R541030ca50164af7"/>
 </c:chartSpace>
 </file>
 
@@ -6535,7 +6535,7 @@
         </p:xfrm>
         <a:graphic xmlns:a="http://schemas.openxmlformats.org/drawingml/2006/main">
           <a:graphicData uri="http://schemas.openxmlformats.org/drawingml/2006/chart">
-            <c:chart xmlns:r="http://schemas.openxmlformats.org/officeDocument/2006/relationships" xmlns:c="http://schemas.openxmlformats.org/drawingml/2006/chart" r:id="R4700136e8cfa4e3b"/>
+            <c:chart xmlns:r="http://schemas.openxmlformats.org/officeDocument/2006/relationships" xmlns:c="http://schemas.openxmlformats.org/drawingml/2006/chart" r:id="Rd384f4190e8b4a37"/>
           </a:graphicData>
         </a:graphic>
       </p:graphicFrame>
